--- a/Curs_Presentation_GrushetskiyGA_M80-114CB-24.pptx
+++ b/Curs_Presentation_GrushetskiyGA_M80-114CB-24.pptx
@@ -4097,6 +4097,7 @@
               <a:alpha val="24000"/>
             </a:schemeClr>
           </a:solidFill>
+          <a:ln w="25400"/>
         </p:spPr>
         <p:style>
           <a:lnRef idx="2">
@@ -4145,7 +4146,7 @@
         </p:blipFill>
         <p:spPr>
           <a:xfrm>
-            <a:off x="6880302" y="140664"/>
+            <a:off x="6772977" y="154594"/>
             <a:ext cx="4905676" cy="2945711"/>
           </a:xfrm>
           <a:prstGeom prst="rect">
@@ -4211,7 +4212,7 @@
         </p:blipFill>
         <p:spPr>
           <a:xfrm>
-            <a:off x="323234" y="2307431"/>
+            <a:off x="169230" y="2313298"/>
             <a:ext cx="5470975" cy="3735053"/>
           </a:xfrm>
           <a:prstGeom prst="rect">
@@ -4241,7 +4242,7 @@
         </p:blipFill>
         <p:spPr>
           <a:xfrm>
-            <a:off x="7598547" y="3265781"/>
+            <a:off x="7573380" y="3296504"/>
             <a:ext cx="3469187" cy="3451555"/>
           </a:xfrm>
           <a:prstGeom prst="rect">
@@ -4265,7 +4266,7 @@
         </p:nvCxnSpPr>
         <p:spPr>
           <a:xfrm>
-            <a:off x="6577264" y="0"/>
+            <a:off x="6259630" y="0"/>
             <a:ext cx="0" cy="6858000"/>
           </a:xfrm>
           <a:prstGeom prst="line">
@@ -4304,8 +4305,8 @@
         </p:nvCxnSpPr>
         <p:spPr>
           <a:xfrm>
-            <a:off x="6577264" y="3188779"/>
-            <a:ext cx="5680352" cy="0"/>
+            <a:off x="6259630" y="3198404"/>
+            <a:ext cx="5932370" cy="0"/>
           </a:xfrm>
           <a:prstGeom prst="line">
             <a:avLst/>
@@ -4371,7 +4372,7 @@
         </p:nvSpPr>
         <p:spPr>
           <a:xfrm>
-            <a:off x="64471" y="-1"/>
+            <a:off x="0" y="-1"/>
             <a:ext cx="2974206" cy="6858000"/>
           </a:xfrm>
           <a:prstGeom prst="rect">
@@ -4382,6 +4383,7 @@
               <a:alpha val="30000"/>
             </a:schemeClr>
           </a:solidFill>
+          <a:ln w="25400"/>
         </p:spPr>
         <p:style>
           <a:lnRef idx="2">
@@ -4616,8 +4618,8 @@
         </p:nvCxnSpPr>
         <p:spPr>
           <a:xfrm flipH="1">
-            <a:off x="3038677" y="3843516"/>
-            <a:ext cx="9153324" cy="0"/>
+            <a:off x="2974206" y="3843516"/>
+            <a:ext cx="9217795" cy="0"/>
           </a:xfrm>
           <a:prstGeom prst="line">
             <a:avLst/>
@@ -4648,13 +4650,15 @@
               </a:ext>
             </a:extLst>
           </p:cNvPr>
-          <p:cNvCxnSpPr/>
+          <p:cNvCxnSpPr>
+            <a:cxnSpLocks/>
+          </p:cNvCxnSpPr>
           <p:nvPr/>
         </p:nvCxnSpPr>
         <p:spPr>
           <a:xfrm flipV="1">
-            <a:off x="3000784" y="1561675"/>
-            <a:ext cx="9685313" cy="15034"/>
+            <a:off x="2974206" y="1561675"/>
+            <a:ext cx="9711891" cy="34660"/>
           </a:xfrm>
           <a:prstGeom prst="line">
             <a:avLst/>
@@ -4720,7 +4724,7 @@
         </p:nvSpPr>
         <p:spPr>
           <a:xfrm>
-            <a:off x="4474245" y="0"/>
+            <a:off x="4560872" y="0"/>
             <a:ext cx="7717754" cy="2704700"/>
           </a:xfrm>
           <a:prstGeom prst="rect">
@@ -4731,6 +4735,7 @@
               <a:alpha val="30000"/>
             </a:schemeClr>
           </a:solidFill>
+          <a:ln w="25400"/>
         </p:spPr>
         <p:style>
           <a:lnRef idx="2">
@@ -4775,7 +4780,7 @@
         </p:nvSpPr>
         <p:spPr>
           <a:xfrm>
-            <a:off x="6632942" y="725450"/>
+            <a:off x="6835073" y="689568"/>
             <a:ext cx="10515600" cy="1325563"/>
           </a:xfrm>
         </p:spPr>
@@ -5570,10 +5575,10 @@
       </p:grpSpPr>
       <p:sp>
         <p:nvSpPr>
-          <p:cNvPr id="6" name="Прямоугольник 5">
-            <a:extLst>
-              <a:ext uri="{FF2B5EF4-FFF2-40B4-BE49-F238E27FC236}">
-                <a16:creationId xmlns:a16="http://schemas.microsoft.com/office/drawing/2014/main" id="{923267ED-1512-4DA1-8038-9A8F5BD314ED}"/>
+          <p:cNvPr id="22" name="Прямоугольник 21">
+            <a:extLst>
+              <a:ext uri="{FF2B5EF4-FFF2-40B4-BE49-F238E27FC236}">
+                <a16:creationId xmlns:a16="http://schemas.microsoft.com/office/drawing/2014/main" id="{182AF69C-EA81-42E8-B78C-128BA6B97CC5}"/>
               </a:ext>
             </a:extLst>
           </p:cNvPr>
@@ -5582,8 +5587,8 @@
         </p:nvSpPr>
         <p:spPr>
           <a:xfrm>
-            <a:off x="0" y="0"/>
-            <a:ext cx="12192000" cy="1606964"/>
+            <a:off x="7679665" y="1959451"/>
+            <a:ext cx="4176746" cy="3920043"/>
           </a:xfrm>
           <a:prstGeom prst="rect">
             <a:avLst/>
@@ -5593,7 +5598,6 @@
               <a:alpha val="30000"/>
             </a:schemeClr>
           </a:solidFill>
-          <a:ln w="38100"/>
         </p:spPr>
         <p:style>
           <a:lnRef idx="2">
@@ -5622,6 +5626,58 @@
       </p:sp>
       <p:sp>
         <p:nvSpPr>
+          <p:cNvPr id="6" name="Прямоугольник 5">
+            <a:extLst>
+              <a:ext uri="{FF2B5EF4-FFF2-40B4-BE49-F238E27FC236}">
+                <a16:creationId xmlns:a16="http://schemas.microsoft.com/office/drawing/2014/main" id="{923267ED-1512-4DA1-8038-9A8F5BD314ED}"/>
+              </a:ext>
+            </a:extLst>
+          </p:cNvPr>
+          <p:cNvSpPr/>
+          <p:nvPr/>
+        </p:nvSpPr>
+        <p:spPr>
+          <a:xfrm>
+            <a:off x="0" y="0"/>
+            <a:ext cx="12192000" cy="1606964"/>
+          </a:xfrm>
+          <a:prstGeom prst="rect">
+            <a:avLst/>
+          </a:prstGeom>
+          <a:solidFill>
+            <a:schemeClr val="accent1">
+              <a:alpha val="30000"/>
+            </a:schemeClr>
+          </a:solidFill>
+          <a:ln w="38100"/>
+        </p:spPr>
+        <p:style>
+          <a:lnRef idx="2">
+            <a:schemeClr val="accent1">
+              <a:shade val="50000"/>
+            </a:schemeClr>
+          </a:lnRef>
+          <a:fillRef idx="1">
+            <a:schemeClr val="accent1"/>
+          </a:fillRef>
+          <a:effectRef idx="0">
+            <a:schemeClr val="accent1"/>
+          </a:effectRef>
+          <a:fontRef idx="minor">
+            <a:schemeClr val="lt1"/>
+          </a:fontRef>
+        </p:style>
+        <p:txBody>
+          <a:bodyPr rtlCol="0" anchor="ctr"/>
+          <a:lstStyle/>
+          <a:p>
+            <a:pPr algn="ctr"/>
+            <a:endParaRPr lang="ru-RU"/>
+          </a:p>
+        </p:txBody>
+      </p:sp>
+      <p:sp>
+        <p:nvSpPr>
           <p:cNvPr id="2" name="Заголовок 1">
             <a:extLst>
               <a:ext uri="{FF2B5EF4-FFF2-40B4-BE49-F238E27FC236}">
@@ -5712,7 +5768,7 @@
           <a:prstGeom prst="line">
             <a:avLst/>
           </a:prstGeom>
-          <a:ln w="31750"/>
+          <a:ln w="50800"/>
         </p:spPr>
         <p:style>
           <a:lnRef idx="1">
@@ -5751,7 +5807,7 @@
           <a:prstGeom prst="line">
             <a:avLst/>
           </a:prstGeom>
-          <a:ln w="28575"/>
+          <a:ln w="34925"/>
         </p:spPr>
         <p:style>
           <a:lnRef idx="1">
@@ -5788,7 +5844,7 @@
           <a:prstGeom prst="line">
             <a:avLst/>
           </a:prstGeom>
-          <a:ln w="31750"/>
+          <a:ln w="60325"/>
         </p:spPr>
         <p:style>
           <a:lnRef idx="1">
@@ -5819,8 +5875,8 @@
         </p:nvSpPr>
         <p:spPr>
           <a:xfrm>
-            <a:off x="7894040" y="2298583"/>
-            <a:ext cx="3129094" cy="3416320"/>
+            <a:off x="7894040" y="2259007"/>
+            <a:ext cx="3820400" cy="3477875"/>
           </a:xfrm>
           <a:prstGeom prst="rect">
             <a:avLst/>
@@ -5834,15 +5890,24 @@
           <a:lstStyle/>
           <a:p>
             <a:r>
-              <a:rPr lang="ru-RU" dirty="0"/>
+              <a:rPr lang="ru-RU" sz="2000" dirty="0">
+                <a:latin typeface="Times New Roman" panose="02020603050405020304" pitchFamily="18" charset="0"/>
+                <a:cs typeface="Times New Roman" panose="02020603050405020304" pitchFamily="18" charset="0"/>
+              </a:rPr>
               <a:t>Данный </a:t>
             </a:r>
             <a:r>
-              <a:rPr lang="ru-RU" dirty="0" err="1"/>
+              <a:rPr lang="ru-RU" sz="2000" dirty="0" err="1">
+                <a:latin typeface="Times New Roman" panose="02020603050405020304" pitchFamily="18" charset="0"/>
+                <a:cs typeface="Times New Roman" panose="02020603050405020304" pitchFamily="18" charset="0"/>
+              </a:rPr>
               <a:t>датасет</a:t>
             </a:r>
             <a:r>
-              <a:rPr lang="ru-RU" dirty="0"/>
+              <a:rPr lang="ru-RU" sz="2000" dirty="0">
+                <a:latin typeface="Times New Roman" panose="02020603050405020304" pitchFamily="18" charset="0"/>
+                <a:cs typeface="Times New Roman" panose="02020603050405020304" pitchFamily="18" charset="0"/>
+              </a:rPr>
               <a:t> служит для обучения, в практическом применении можно распознавать одежду, преобразовывая снимки под модель, а также оптимизация самих алгоритмов на основе этой модели в силу ее низкой фактической точности. Оптимизируя алгоритмы, точность повысится, но носит исследовательский интерес.</a:t>
             </a:r>
           </a:p>
